--- a/Log dan Cara Konfigurasi SSH Google Colab (Run pada GPU or Non) & Membuat Notebook di Google Colab.pptx
+++ b/Log dan Cara Konfigurasi SSH Google Colab (Run pada GPU or Non) & Membuat Notebook di Google Colab.pptx
@@ -11,7 +11,8 @@
     <p:sldId id="262" r:id="rId5"/>
     <p:sldId id="263" r:id="rId6"/>
     <p:sldId id="264" r:id="rId7"/>
-    <p:sldId id="267" r:id="rId8"/>
+    <p:sldId id="268" r:id="rId8"/>
+    <p:sldId id="267" r:id="rId9"/>
   </p:sldIdLst>
   <p:sldSz cx="12192000" cy="6858000"/>
   <p:notesSz cx="6858000" cy="9144000"/>
@@ -110,6 +111,11 @@
       </a:defRPr>
     </a:lvl9pPr>
   </p:defaultTextStyle>
+  <p:extLst>
+    <p:ext uri="{EFAFB233-063F-42B5-8137-9DF3F51BA10A}">
+      <p15:sldGuideLst xmlns:p15="http://schemas.microsoft.com/office/powerpoint/2012/main"/>
+    </p:ext>
+  </p:extLst>
 </p:presentation>
 </file>
 
@@ -244,7 +250,7 @@
           <a:p>
             <a:fld id="{D3CC54E7-19F4-4F66-A1A4-4A921B71E170}" type="datetimeFigureOut">
               <a:rPr lang="id-ID" smtClean="0"/>
-              <a:t>13/06/2019</a:t>
+              <a:t>16/06/2019</a:t>
             </a:fld>
             <a:endParaRPr lang="id-ID"/>
           </a:p>
@@ -414,7 +420,7 @@
           <a:p>
             <a:fld id="{D3CC54E7-19F4-4F66-A1A4-4A921B71E170}" type="datetimeFigureOut">
               <a:rPr lang="id-ID" smtClean="0"/>
-              <a:t>13/06/2019</a:t>
+              <a:t>16/06/2019</a:t>
             </a:fld>
             <a:endParaRPr lang="id-ID"/>
           </a:p>
@@ -594,7 +600,7 @@
           <a:p>
             <a:fld id="{D3CC54E7-19F4-4F66-A1A4-4A921B71E170}" type="datetimeFigureOut">
               <a:rPr lang="id-ID" smtClean="0"/>
-              <a:t>13/06/2019</a:t>
+              <a:t>16/06/2019</a:t>
             </a:fld>
             <a:endParaRPr lang="id-ID"/>
           </a:p>
@@ -764,7 +770,7 @@
           <a:p>
             <a:fld id="{D3CC54E7-19F4-4F66-A1A4-4A921B71E170}" type="datetimeFigureOut">
               <a:rPr lang="id-ID" smtClean="0"/>
-              <a:t>13/06/2019</a:t>
+              <a:t>16/06/2019</a:t>
             </a:fld>
             <a:endParaRPr lang="id-ID"/>
           </a:p>
@@ -1010,7 +1016,7 @@
           <a:p>
             <a:fld id="{D3CC54E7-19F4-4F66-A1A4-4A921B71E170}" type="datetimeFigureOut">
               <a:rPr lang="id-ID" smtClean="0"/>
-              <a:t>13/06/2019</a:t>
+              <a:t>16/06/2019</a:t>
             </a:fld>
             <a:endParaRPr lang="id-ID"/>
           </a:p>
@@ -1242,7 +1248,7 @@
           <a:p>
             <a:fld id="{D3CC54E7-19F4-4F66-A1A4-4A921B71E170}" type="datetimeFigureOut">
               <a:rPr lang="id-ID" smtClean="0"/>
-              <a:t>13/06/2019</a:t>
+              <a:t>16/06/2019</a:t>
             </a:fld>
             <a:endParaRPr lang="id-ID"/>
           </a:p>
@@ -1609,7 +1615,7 @@
           <a:p>
             <a:fld id="{D3CC54E7-19F4-4F66-A1A4-4A921B71E170}" type="datetimeFigureOut">
               <a:rPr lang="id-ID" smtClean="0"/>
-              <a:t>13/06/2019</a:t>
+              <a:t>16/06/2019</a:t>
             </a:fld>
             <a:endParaRPr lang="id-ID"/>
           </a:p>
@@ -1727,7 +1733,7 @@
           <a:p>
             <a:fld id="{D3CC54E7-19F4-4F66-A1A4-4A921B71E170}" type="datetimeFigureOut">
               <a:rPr lang="id-ID" smtClean="0"/>
-              <a:t>13/06/2019</a:t>
+              <a:t>16/06/2019</a:t>
             </a:fld>
             <a:endParaRPr lang="id-ID"/>
           </a:p>
@@ -1822,7 +1828,7 @@
           <a:p>
             <a:fld id="{D3CC54E7-19F4-4F66-A1A4-4A921B71E170}" type="datetimeFigureOut">
               <a:rPr lang="id-ID" smtClean="0"/>
-              <a:t>13/06/2019</a:t>
+              <a:t>16/06/2019</a:t>
             </a:fld>
             <a:endParaRPr lang="id-ID"/>
           </a:p>
@@ -2099,7 +2105,7 @@
           <a:p>
             <a:fld id="{D3CC54E7-19F4-4F66-A1A4-4A921B71E170}" type="datetimeFigureOut">
               <a:rPr lang="id-ID" smtClean="0"/>
-              <a:t>13/06/2019</a:t>
+              <a:t>16/06/2019</a:t>
             </a:fld>
             <a:endParaRPr lang="id-ID"/>
           </a:p>
@@ -2352,7 +2358,7 @@
           <a:p>
             <a:fld id="{D3CC54E7-19F4-4F66-A1A4-4A921B71E170}" type="datetimeFigureOut">
               <a:rPr lang="id-ID" smtClean="0"/>
-              <a:t>13/06/2019</a:t>
+              <a:t>16/06/2019</a:t>
             </a:fld>
             <a:endParaRPr lang="id-ID"/>
           </a:p>
@@ -2565,7 +2571,7 @@
           <a:p>
             <a:fld id="{D3CC54E7-19F4-4F66-A1A4-4A921B71E170}" type="datetimeFigureOut">
               <a:rPr lang="id-ID" smtClean="0"/>
-              <a:t>13/06/2019</a:t>
+              <a:t>16/06/2019</a:t>
             </a:fld>
             <a:endParaRPr lang="id-ID"/>
           </a:p>
@@ -3692,7 +3698,11 @@
           <a:p>
             <a:r>
               <a:rPr lang="en-US" sz="1200" dirty="0" smtClean="0"/>
-              <a:t>Root password: GU</a:t>
+              <a:t>Root password: </a:t>
+            </a:r>
+            <a:r>
+              <a:rPr lang="id-ID" sz="1200" dirty="0" smtClean="0"/>
+              <a:t>^&amp;^%SdafsghtdOIYGYU</a:t>
             </a:r>
             <a:endParaRPr lang="id-ID" sz="1200" dirty="0"/>
           </a:p>
@@ -4242,29 +4252,6 @@
       </p:sp>
       <p:pic>
         <p:nvPicPr>
-          <p:cNvPr id="14" name="Picture 13"/>
-          <p:cNvPicPr>
-            <a:picLocks noChangeAspect="1"/>
-          </p:cNvPicPr>
-          <p:nvPr/>
-        </p:nvPicPr>
-        <p:blipFill rotWithShape="1">
-          <a:blip r:embed="rId2"/>
-          <a:srcRect t="81522"/>
-          <a:stretch/>
-        </p:blipFill>
-        <p:spPr>
-          <a:xfrm>
-            <a:off x="6096001" y="5414362"/>
-            <a:ext cx="5740400" cy="573063"/>
-          </a:xfrm>
-          <a:prstGeom prst="rect">
-            <a:avLst/>
-          </a:prstGeom>
-        </p:spPr>
-      </p:pic>
-      <p:pic>
-        <p:nvPicPr>
           <p:cNvPr id="2" name="Picture 1"/>
           <p:cNvPicPr>
             <a:picLocks noChangeAspect="1"/>
@@ -4272,7 +4259,7 @@
           <p:nvPr/>
         </p:nvPicPr>
         <p:blipFill>
-          <a:blip r:embed="rId3"/>
+          <a:blip r:embed="rId2"/>
           <a:stretch>
             <a:fillRect/>
           </a:stretch>
@@ -4301,6 +4288,106 @@
 </file>
 
 <file path=ppt/slides/slide7.xml><?xml version="1.0" encoding="utf-8"?>
+<p:sld xmlns:a="http://schemas.openxmlformats.org/drawingml/2006/main" xmlns:r="http://schemas.openxmlformats.org/officeDocument/2006/relationships" xmlns:p="http://schemas.openxmlformats.org/presentationml/2006/main">
+  <p:cSld>
+    <p:spTree>
+      <p:nvGrpSpPr>
+        <p:cNvPr id="1" name=""/>
+        <p:cNvGrpSpPr/>
+        <p:nvPr/>
+      </p:nvGrpSpPr>
+      <p:grpSpPr>
+        <a:xfrm>
+          <a:off x="0" y="0"/>
+          <a:ext cx="0" cy="0"/>
+          <a:chOff x="0" y="0"/>
+          <a:chExt cx="0" cy="0"/>
+        </a:xfrm>
+      </p:grpSpPr>
+      <p:sp>
+        <p:nvSpPr>
+          <p:cNvPr id="3" name="Title 2"/>
+          <p:cNvSpPr>
+            <a:spLocks noGrp="1"/>
+          </p:cNvSpPr>
+          <p:nvPr>
+            <p:ph type="title"/>
+          </p:nvPr>
+        </p:nvSpPr>
+        <p:spPr/>
+        <p:txBody>
+          <a:bodyPr/>
+          <a:lstStyle/>
+          <a:p>
+            <a:r>
+              <a:rPr lang="id-ID" dirty="0" smtClean="0"/>
+              <a:t>SSH Google Colab (Run pada GPU/Non)</a:t>
+            </a:r>
+            <a:endParaRPr lang="id-ID" dirty="0"/>
+          </a:p>
+        </p:txBody>
+      </p:sp>
+      <p:sp>
+        <p:nvSpPr>
+          <p:cNvPr id="4" name="Content Placeholder 3"/>
+          <p:cNvSpPr>
+            <a:spLocks noGrp="1"/>
+          </p:cNvSpPr>
+          <p:nvPr>
+            <p:ph idx="1"/>
+          </p:nvPr>
+        </p:nvSpPr>
+        <p:spPr/>
+        <p:txBody>
+          <a:bodyPr/>
+          <a:lstStyle/>
+          <a:p>
+            <a:r>
+              <a:rPr lang="id-ID" dirty="0" smtClean="0"/>
+              <a:t>Cek spek </a:t>
+            </a:r>
+            <a:endParaRPr lang="id-ID" dirty="0"/>
+          </a:p>
+        </p:txBody>
+      </p:sp>
+      <p:pic>
+        <p:nvPicPr>
+          <p:cNvPr id="6" name="Picture 5"/>
+          <p:cNvPicPr>
+            <a:picLocks noChangeAspect="1"/>
+          </p:cNvPicPr>
+          <p:nvPr/>
+        </p:nvPicPr>
+        <p:blipFill>
+          <a:blip r:embed="rId2"/>
+          <a:stretch>
+            <a:fillRect/>
+          </a:stretch>
+        </p:blipFill>
+        <p:spPr>
+          <a:xfrm>
+            <a:off x="1189972" y="2292289"/>
+            <a:ext cx="7190332" cy="3884674"/>
+          </a:xfrm>
+          <a:prstGeom prst="rect">
+            <a:avLst/>
+          </a:prstGeom>
+        </p:spPr>
+      </p:pic>
+    </p:spTree>
+    <p:extLst>
+      <p:ext uri="{BB962C8B-B14F-4D97-AF65-F5344CB8AC3E}">
+        <p14:creationId xmlns:p14="http://schemas.microsoft.com/office/powerpoint/2010/main" val="3134735972"/>
+      </p:ext>
+    </p:extLst>
+  </p:cSld>
+  <p:clrMapOvr>
+    <a:masterClrMapping/>
+  </p:clrMapOvr>
+</p:sld>
+</file>
+
+<file path=ppt/slides/slide8.xml><?xml version="1.0" encoding="utf-8"?>
 <p:sld xmlns:a="http://schemas.openxmlformats.org/drawingml/2006/main" xmlns:r="http://schemas.openxmlformats.org/officeDocument/2006/relationships" xmlns:p="http://schemas.openxmlformats.org/presentationml/2006/main">
   <p:cSld>
     <p:spTree>
